--- a/cyber security.pptx
+++ b/cyber security.pptx
@@ -3302,11 +3302,32 @@
           </a:p>
           <a:p>
             <a:r>
+              <a:rPr lang="en-US" sz="2400" err="1" smtClean="0">
+                <a:latin typeface="Arial Black" pitchFamily="34" charset="0"/>
+              </a:rPr>
+              <a:t>Prof</a:t>
+            </a:r>
+            <a:r>
+              <a:rPr lang="en-US" sz="2400" smtClean="0">
+                <a:latin typeface="Arial Black" pitchFamily="34" charset="0"/>
+              </a:rPr>
+              <a:t>. Bannamma</a:t>
+            </a:r>
+            <a:r>
               <a:rPr lang="en-US" sz="2400" dirty="0" smtClean="0">
                 <a:latin typeface="Arial Black" pitchFamily="34" charset="0"/>
               </a:rPr>
-              <a:t>Dr. Sujata V Mallapur</a:t>
-            </a:r>
+              <a:t> </a:t>
+            </a:r>
+            <a:r>
+              <a:rPr lang="en-US" sz="2400" dirty="0" err="1" smtClean="0">
+                <a:latin typeface="Arial Black" pitchFamily="34" charset="0"/>
+              </a:rPr>
+              <a:t>Patil</a:t>
+            </a:r>
+            <a:endParaRPr lang="en-US" sz="2400" dirty="0" smtClean="0">
+              <a:latin typeface="Arial Black" pitchFamily="34" charset="0"/>
+            </a:endParaRPr>
           </a:p>
           <a:p>
             <a:endParaRPr lang="en-US" sz="2400" dirty="0">
